--- a/Design Review/Design Review.pptx
+++ b/Design Review/Design Review.pptx
@@ -9,10 +9,14 @@
     <p:sldId id="257" r:id="rId3"/>
     <p:sldId id="258" r:id="rId4"/>
     <p:sldId id="259" r:id="rId5"/>
-    <p:sldId id="260" r:id="rId6"/>
-    <p:sldId id="261" r:id="rId7"/>
-    <p:sldId id="262" r:id="rId8"/>
-    <p:sldId id="263" r:id="rId9"/>
+    <p:sldId id="264" r:id="rId6"/>
+    <p:sldId id="265" r:id="rId7"/>
+    <p:sldId id="266" r:id="rId8"/>
+    <p:sldId id="267" r:id="rId9"/>
+    <p:sldId id="260" r:id="rId10"/>
+    <p:sldId id="261" r:id="rId11"/>
+    <p:sldId id="262" r:id="rId12"/>
+    <p:sldId id="263" r:id="rId13"/>
   </p:sldIdLst>
   <p:sldSz cx="9144000" cy="6858000" type="screen4x3"/>
   <p:notesSz cx="6858000" cy="9144000"/>
@@ -3287,6 +3291,222 @@
 </p:sld>
 </file>
 
+<file path=ppt/slides/slide10.xml><?xml version="1.0" encoding="utf-8"?>
+<p:sld xmlns:a="http://schemas.openxmlformats.org/drawingml/2006/main" xmlns:r="http://schemas.openxmlformats.org/officeDocument/2006/relationships" xmlns:p="http://schemas.openxmlformats.org/presentationml/2006/main">
+  <p:cSld>
+    <p:spTree>
+      <p:nvGrpSpPr>
+        <p:cNvPr id="1" name=""/>
+        <p:cNvGrpSpPr/>
+        <p:nvPr/>
+      </p:nvGrpSpPr>
+      <p:grpSpPr>
+        <a:xfrm>
+          <a:off x="0" y="0"/>
+          <a:ext cx="0" cy="0"/>
+          <a:chOff x="0" y="0"/>
+          <a:chExt cx="0" cy="0"/>
+        </a:xfrm>
+      </p:grpSpPr>
+      <p:sp>
+        <p:nvSpPr>
+          <p:cNvPr id="2" name="Title 1"/>
+          <p:cNvSpPr>
+            <a:spLocks noGrp="1"/>
+          </p:cNvSpPr>
+          <p:nvPr>
+            <p:ph type="title"/>
+          </p:nvPr>
+        </p:nvSpPr>
+        <p:spPr/>
+        <p:txBody>
+          <a:bodyPr/>
+          <a:lstStyle/>
+          <a:p>
+            <a:r>
+              <a:rPr lang="en-US" dirty="0" smtClean="0"/>
+              <a:t>Train Controller</a:t>
+            </a:r>
+            <a:endParaRPr lang="en-US" dirty="0"/>
+          </a:p>
+        </p:txBody>
+      </p:sp>
+      <p:sp>
+        <p:nvSpPr>
+          <p:cNvPr id="3" name="Content Placeholder 2"/>
+          <p:cNvSpPr>
+            <a:spLocks noGrp="1"/>
+          </p:cNvSpPr>
+          <p:nvPr>
+            <p:ph idx="1"/>
+          </p:nvPr>
+        </p:nvSpPr>
+        <p:spPr/>
+        <p:txBody>
+          <a:bodyPr/>
+          <a:lstStyle/>
+          <a:p>
+            <a:endParaRPr lang="en-US"/>
+          </a:p>
+        </p:txBody>
+      </p:sp>
+    </p:spTree>
+    <p:extLst>
+      <p:ext uri="{BB962C8B-B14F-4D97-AF65-F5344CB8AC3E}">
+        <p14:creationId xmlns:p14="http://schemas.microsoft.com/office/powerpoint/2010/main" val="3429463320"/>
+      </p:ext>
+    </p:extLst>
+  </p:cSld>
+  <p:clrMapOvr>
+    <a:masterClrMapping/>
+  </p:clrMapOvr>
+</p:sld>
+</file>
+
+<file path=ppt/slides/slide11.xml><?xml version="1.0" encoding="utf-8"?>
+<p:sld xmlns:a="http://schemas.openxmlformats.org/drawingml/2006/main" xmlns:r="http://schemas.openxmlformats.org/officeDocument/2006/relationships" xmlns:p="http://schemas.openxmlformats.org/presentationml/2006/main">
+  <p:cSld>
+    <p:spTree>
+      <p:nvGrpSpPr>
+        <p:cNvPr id="1" name=""/>
+        <p:cNvGrpSpPr/>
+        <p:nvPr/>
+      </p:nvGrpSpPr>
+      <p:grpSpPr>
+        <a:xfrm>
+          <a:off x="0" y="0"/>
+          <a:ext cx="0" cy="0"/>
+          <a:chOff x="0" y="0"/>
+          <a:chExt cx="0" cy="0"/>
+        </a:xfrm>
+      </p:grpSpPr>
+      <p:sp>
+        <p:nvSpPr>
+          <p:cNvPr id="2" name="Title 1"/>
+          <p:cNvSpPr>
+            <a:spLocks noGrp="1"/>
+          </p:cNvSpPr>
+          <p:nvPr>
+            <p:ph type="title"/>
+          </p:nvPr>
+        </p:nvSpPr>
+        <p:spPr/>
+        <p:txBody>
+          <a:bodyPr/>
+          <a:lstStyle/>
+          <a:p>
+            <a:r>
+              <a:rPr lang="en-US" dirty="0" smtClean="0"/>
+              <a:t>Track Model</a:t>
+            </a:r>
+            <a:endParaRPr lang="en-US" dirty="0"/>
+          </a:p>
+        </p:txBody>
+      </p:sp>
+      <p:sp>
+        <p:nvSpPr>
+          <p:cNvPr id="3" name="Content Placeholder 2"/>
+          <p:cNvSpPr>
+            <a:spLocks noGrp="1"/>
+          </p:cNvSpPr>
+          <p:nvPr>
+            <p:ph idx="1"/>
+          </p:nvPr>
+        </p:nvSpPr>
+        <p:spPr/>
+        <p:txBody>
+          <a:bodyPr/>
+          <a:lstStyle/>
+          <a:p>
+            <a:endParaRPr lang="en-US"/>
+          </a:p>
+        </p:txBody>
+      </p:sp>
+    </p:spTree>
+    <p:extLst>
+      <p:ext uri="{BB962C8B-B14F-4D97-AF65-F5344CB8AC3E}">
+        <p14:creationId xmlns:p14="http://schemas.microsoft.com/office/powerpoint/2010/main" val="2371159061"/>
+      </p:ext>
+    </p:extLst>
+  </p:cSld>
+  <p:clrMapOvr>
+    <a:masterClrMapping/>
+  </p:clrMapOvr>
+</p:sld>
+</file>
+
+<file path=ppt/slides/slide12.xml><?xml version="1.0" encoding="utf-8"?>
+<p:sld xmlns:a="http://schemas.openxmlformats.org/drawingml/2006/main" xmlns:r="http://schemas.openxmlformats.org/officeDocument/2006/relationships" xmlns:p="http://schemas.openxmlformats.org/presentationml/2006/main">
+  <p:cSld>
+    <p:spTree>
+      <p:nvGrpSpPr>
+        <p:cNvPr id="1" name=""/>
+        <p:cNvGrpSpPr/>
+        <p:nvPr/>
+      </p:nvGrpSpPr>
+      <p:grpSpPr>
+        <a:xfrm>
+          <a:off x="0" y="0"/>
+          <a:ext cx="0" cy="0"/>
+          <a:chOff x="0" y="0"/>
+          <a:chExt cx="0" cy="0"/>
+        </a:xfrm>
+      </p:grpSpPr>
+      <p:sp>
+        <p:nvSpPr>
+          <p:cNvPr id="2" name="Title 1"/>
+          <p:cNvSpPr>
+            <a:spLocks noGrp="1"/>
+          </p:cNvSpPr>
+          <p:nvPr>
+            <p:ph type="title"/>
+          </p:nvPr>
+        </p:nvSpPr>
+        <p:spPr/>
+        <p:txBody>
+          <a:bodyPr/>
+          <a:lstStyle/>
+          <a:p>
+            <a:r>
+              <a:rPr lang="en-US" dirty="0" smtClean="0"/>
+              <a:t>Track Controller</a:t>
+            </a:r>
+            <a:endParaRPr lang="en-US" dirty="0"/>
+          </a:p>
+        </p:txBody>
+      </p:sp>
+      <p:sp>
+        <p:nvSpPr>
+          <p:cNvPr id="3" name="Content Placeholder 2"/>
+          <p:cNvSpPr>
+            <a:spLocks noGrp="1"/>
+          </p:cNvSpPr>
+          <p:nvPr>
+            <p:ph idx="1"/>
+          </p:nvPr>
+        </p:nvSpPr>
+        <p:spPr/>
+        <p:txBody>
+          <a:bodyPr/>
+          <a:lstStyle/>
+          <a:p>
+            <a:endParaRPr lang="en-US"/>
+          </a:p>
+        </p:txBody>
+      </p:sp>
+    </p:spTree>
+    <p:extLst>
+      <p:ext uri="{BB962C8B-B14F-4D97-AF65-F5344CB8AC3E}">
+        <p14:creationId xmlns:p14="http://schemas.microsoft.com/office/powerpoint/2010/main" val="2748805991"/>
+      </p:ext>
+    </p:extLst>
+  </p:cSld>
+  <p:clrMapOvr>
+    <a:masterClrMapping/>
+  </p:clrMapOvr>
+</p:sld>
+</file>
+
 <file path=ppt/slides/slide2.xml><?xml version="1.0" encoding="utf-8"?>
 <p:sld xmlns:a="http://schemas.openxmlformats.org/drawingml/2006/main" xmlns:r="http://schemas.openxmlformats.org/officeDocument/2006/relationships" xmlns:p="http://schemas.openxmlformats.org/presentationml/2006/main">
   <p:cSld>
@@ -3533,10 +3753,9 @@
             </a:r>
           </a:p>
           <a:p>
-            <a:r>
-              <a:rPr lang="en-US" dirty="0" smtClean="0"/>
-              <a:t>Use Cases</a:t>
-            </a:r>
+            <a:pPr marL="114300" indent="0">
+              <a:buNone/>
+            </a:pPr>
             <a:endParaRPr lang="en-US" dirty="0"/>
           </a:p>
         </p:txBody>
@@ -3588,7 +3807,7 @@
           <a:p>
             <a:r>
               <a:rPr lang="en-US" dirty="0" smtClean="0"/>
-              <a:t>Train Model</a:t>
+              <a:t>MBO Use Cases</a:t>
             </a:r>
             <a:endParaRPr lang="en-US" dirty="0"/>
           </a:p>
@@ -3616,7 +3835,7 @@
     </p:spTree>
     <p:extLst>
       <p:ext uri="{BB962C8B-B14F-4D97-AF65-F5344CB8AC3E}">
-        <p14:creationId xmlns:p14="http://schemas.microsoft.com/office/powerpoint/2010/main" val="3131609810"/>
+        <p14:creationId xmlns:p14="http://schemas.microsoft.com/office/powerpoint/2010/main" val="3171503112"/>
       </p:ext>
     </p:extLst>
   </p:cSld>
@@ -3660,7 +3879,7 @@
           <a:p>
             <a:r>
               <a:rPr lang="en-US" dirty="0" smtClean="0"/>
-              <a:t>Train Controller</a:t>
+              <a:t>MBO Sequence Diagram</a:t>
             </a:r>
             <a:endParaRPr lang="en-US" dirty="0"/>
           </a:p>
@@ -3688,7 +3907,7 @@
     </p:spTree>
     <p:extLst>
       <p:ext uri="{BB962C8B-B14F-4D97-AF65-F5344CB8AC3E}">
-        <p14:creationId xmlns:p14="http://schemas.microsoft.com/office/powerpoint/2010/main" val="3429463320"/>
+        <p14:creationId xmlns:p14="http://schemas.microsoft.com/office/powerpoint/2010/main" val="3683466190"/>
       </p:ext>
     </p:extLst>
   </p:cSld>
@@ -3732,7 +3951,7 @@
           <a:p>
             <a:r>
               <a:rPr lang="en-US" dirty="0" smtClean="0"/>
-              <a:t>Track Model</a:t>
+              <a:t>MBO Activity Diagram (only for modules with algorithms)</a:t>
             </a:r>
             <a:endParaRPr lang="en-US" dirty="0"/>
           </a:p>
@@ -3760,7 +3979,7 @@
     </p:spTree>
     <p:extLst>
       <p:ext uri="{BB962C8B-B14F-4D97-AF65-F5344CB8AC3E}">
-        <p14:creationId xmlns:p14="http://schemas.microsoft.com/office/powerpoint/2010/main" val="2371159061"/>
+        <p14:creationId xmlns:p14="http://schemas.microsoft.com/office/powerpoint/2010/main" val="2251097469"/>
       </p:ext>
     </p:extLst>
   </p:cSld>
@@ -3804,7 +4023,7 @@
           <a:p>
             <a:r>
               <a:rPr lang="en-US" dirty="0" smtClean="0"/>
-              <a:t>Track Controller</a:t>
+              <a:t>MBO Class Diagram</a:t>
             </a:r>
             <a:endParaRPr lang="en-US" dirty="0"/>
           </a:p>
@@ -3832,7 +4051,79 @@
     </p:spTree>
     <p:extLst>
       <p:ext uri="{BB962C8B-B14F-4D97-AF65-F5344CB8AC3E}">
-        <p14:creationId xmlns:p14="http://schemas.microsoft.com/office/powerpoint/2010/main" val="2748805991"/>
+        <p14:creationId xmlns:p14="http://schemas.microsoft.com/office/powerpoint/2010/main" val="2575964444"/>
+      </p:ext>
+    </p:extLst>
+  </p:cSld>
+  <p:clrMapOvr>
+    <a:masterClrMapping/>
+  </p:clrMapOvr>
+</p:sld>
+</file>
+
+<file path=ppt/slides/slide9.xml><?xml version="1.0" encoding="utf-8"?>
+<p:sld xmlns:a="http://schemas.openxmlformats.org/drawingml/2006/main" xmlns:r="http://schemas.openxmlformats.org/officeDocument/2006/relationships" xmlns:p="http://schemas.openxmlformats.org/presentationml/2006/main">
+  <p:cSld>
+    <p:spTree>
+      <p:nvGrpSpPr>
+        <p:cNvPr id="1" name=""/>
+        <p:cNvGrpSpPr/>
+        <p:nvPr/>
+      </p:nvGrpSpPr>
+      <p:grpSpPr>
+        <a:xfrm>
+          <a:off x="0" y="0"/>
+          <a:ext cx="0" cy="0"/>
+          <a:chOff x="0" y="0"/>
+          <a:chExt cx="0" cy="0"/>
+        </a:xfrm>
+      </p:grpSpPr>
+      <p:sp>
+        <p:nvSpPr>
+          <p:cNvPr id="2" name="Title 1"/>
+          <p:cNvSpPr>
+            <a:spLocks noGrp="1"/>
+          </p:cNvSpPr>
+          <p:nvPr>
+            <p:ph type="title"/>
+          </p:nvPr>
+        </p:nvSpPr>
+        <p:spPr/>
+        <p:txBody>
+          <a:bodyPr/>
+          <a:lstStyle/>
+          <a:p>
+            <a:r>
+              <a:rPr lang="en-US" dirty="0" smtClean="0"/>
+              <a:t>Train Model</a:t>
+            </a:r>
+            <a:endParaRPr lang="en-US" dirty="0"/>
+          </a:p>
+        </p:txBody>
+      </p:sp>
+      <p:sp>
+        <p:nvSpPr>
+          <p:cNvPr id="3" name="Content Placeholder 2"/>
+          <p:cNvSpPr>
+            <a:spLocks noGrp="1"/>
+          </p:cNvSpPr>
+          <p:nvPr>
+            <p:ph idx="1"/>
+          </p:nvPr>
+        </p:nvSpPr>
+        <p:spPr/>
+        <p:txBody>
+          <a:bodyPr/>
+          <a:lstStyle/>
+          <a:p>
+            <a:endParaRPr lang="en-US"/>
+          </a:p>
+        </p:txBody>
+      </p:sp>
+    </p:spTree>
+    <p:extLst>
+      <p:ext uri="{BB962C8B-B14F-4D97-AF65-F5344CB8AC3E}">
+        <p14:creationId xmlns:p14="http://schemas.microsoft.com/office/powerpoint/2010/main" val="3131609810"/>
       </p:ext>
     </p:extLst>
   </p:cSld>
